--- a/Presentation1.pptx
+++ b/Presentation1.pptx
@@ -109,6 +109,11 @@
       </a:defRPr>
     </a:lvl9pPr>
   </p:defaultTextStyle>
+  <p:extLst>
+    <p:ext uri="{EFAFB233-063F-42B5-8137-9DF3F51BA10A}">
+      <p15:sldGuideLst xmlns:p15="http://schemas.microsoft.com/office/powerpoint/2012/main"/>
+    </p:ext>
+  </p:extLst>
 </p:presentation>
 </file>
 
@@ -194,7 +199,7 @@
           <a:p>
             <a:fld id="{EEB6E117-0D9B-BD40-8DE1-7673D2E49D38}" type="datetimeFigureOut">
               <a:rPr lang="en-US" smtClean="0"/>
-              <a:t>6/28/18</a:t>
+              <a:t>6/29/18</a:t>
             </a:fld>
             <a:endParaRPr lang="en-US"/>
           </a:p>
@@ -677,7 +682,7 @@
           <a:p>
             <a:fld id="{E07B79F0-BDB5-F346-B5B8-211FF162E02A}" type="datetimeFigureOut">
               <a:rPr lang="en-US" smtClean="0"/>
-              <a:t>6/28/18</a:t>
+              <a:t>6/29/18</a:t>
             </a:fld>
             <a:endParaRPr lang="en-US"/>
           </a:p>
@@ -847,7 +852,7 @@
           <a:p>
             <a:fld id="{E07B79F0-BDB5-F346-B5B8-211FF162E02A}" type="datetimeFigureOut">
               <a:rPr lang="en-US" smtClean="0"/>
-              <a:t>6/28/18</a:t>
+              <a:t>6/29/18</a:t>
             </a:fld>
             <a:endParaRPr lang="en-US"/>
           </a:p>
@@ -1027,7 +1032,7 @@
           <a:p>
             <a:fld id="{E07B79F0-BDB5-F346-B5B8-211FF162E02A}" type="datetimeFigureOut">
               <a:rPr lang="en-US" smtClean="0"/>
-              <a:t>6/28/18</a:t>
+              <a:t>6/29/18</a:t>
             </a:fld>
             <a:endParaRPr lang="en-US"/>
           </a:p>
@@ -1197,7 +1202,7 @@
           <a:p>
             <a:fld id="{E07B79F0-BDB5-F346-B5B8-211FF162E02A}" type="datetimeFigureOut">
               <a:rPr lang="en-US" smtClean="0"/>
-              <a:t>6/28/18</a:t>
+              <a:t>6/29/18</a:t>
             </a:fld>
             <a:endParaRPr lang="en-US"/>
           </a:p>
@@ -1443,7 +1448,7 @@
           <a:p>
             <a:fld id="{E07B79F0-BDB5-F346-B5B8-211FF162E02A}" type="datetimeFigureOut">
               <a:rPr lang="en-US" smtClean="0"/>
-              <a:t>6/28/18</a:t>
+              <a:t>6/29/18</a:t>
             </a:fld>
             <a:endParaRPr lang="en-US"/>
           </a:p>
@@ -1675,7 +1680,7 @@
           <a:p>
             <a:fld id="{E07B79F0-BDB5-F346-B5B8-211FF162E02A}" type="datetimeFigureOut">
               <a:rPr lang="en-US" smtClean="0"/>
-              <a:t>6/28/18</a:t>
+              <a:t>6/29/18</a:t>
             </a:fld>
             <a:endParaRPr lang="en-US"/>
           </a:p>
@@ -2042,7 +2047,7 @@
           <a:p>
             <a:fld id="{E07B79F0-BDB5-F346-B5B8-211FF162E02A}" type="datetimeFigureOut">
               <a:rPr lang="en-US" smtClean="0"/>
-              <a:t>6/28/18</a:t>
+              <a:t>6/29/18</a:t>
             </a:fld>
             <a:endParaRPr lang="en-US"/>
           </a:p>
@@ -2160,7 +2165,7 @@
           <a:p>
             <a:fld id="{E07B79F0-BDB5-F346-B5B8-211FF162E02A}" type="datetimeFigureOut">
               <a:rPr lang="en-US" smtClean="0"/>
-              <a:t>6/28/18</a:t>
+              <a:t>6/29/18</a:t>
             </a:fld>
             <a:endParaRPr lang="en-US"/>
           </a:p>
@@ -2255,7 +2260,7 @@
           <a:p>
             <a:fld id="{E07B79F0-BDB5-F346-B5B8-211FF162E02A}" type="datetimeFigureOut">
               <a:rPr lang="en-US" smtClean="0"/>
-              <a:t>6/28/18</a:t>
+              <a:t>6/29/18</a:t>
             </a:fld>
             <a:endParaRPr lang="en-US"/>
           </a:p>
@@ -2532,7 +2537,7 @@
           <a:p>
             <a:fld id="{E07B79F0-BDB5-F346-B5B8-211FF162E02A}" type="datetimeFigureOut">
               <a:rPr lang="en-US" smtClean="0"/>
-              <a:t>6/28/18</a:t>
+              <a:t>6/29/18</a:t>
             </a:fld>
             <a:endParaRPr lang="en-US"/>
           </a:p>
@@ -2785,7 +2790,7 @@
           <a:p>
             <a:fld id="{E07B79F0-BDB5-F346-B5B8-211FF162E02A}" type="datetimeFigureOut">
               <a:rPr lang="en-US" smtClean="0"/>
-              <a:t>6/28/18</a:t>
+              <a:t>6/29/18</a:t>
             </a:fld>
             <a:endParaRPr lang="en-US"/>
           </a:p>
@@ -2998,7 +3003,7 @@
           <a:p>
             <a:fld id="{E07B79F0-BDB5-F346-B5B8-211FF162E02A}" type="datetimeFigureOut">
               <a:rPr lang="en-US" smtClean="0"/>
-              <a:t>6/28/18</a:t>
+              <a:t>6/29/18</a:t>
             </a:fld>
             <a:endParaRPr lang="en-US"/>
           </a:p>
@@ -3789,14 +3794,30 @@
           <a:p>
             <a:pPr algn="ctr"/>
             <a:r>
-              <a:rPr lang="en-US" dirty="0" smtClean="0">
+              <a:rPr lang="en-US" sz="1200" dirty="0">
                 <a:solidFill>
                   <a:sysClr val="windowText" lastClr="000000"/>
                 </a:solidFill>
               </a:rPr>
-              <a:t>Question</a:t>
-            </a:r>
-            <a:endParaRPr lang="en-US" dirty="0">
+              <a:t>find </a:t>
+            </a:r>
+            <a:r>
+              <a:rPr lang="en-US" sz="1200" dirty="0" smtClean="0">
+                <a:solidFill>
+                  <a:sysClr val="windowText" lastClr="000000"/>
+                </a:solidFill>
+              </a:rPr>
+              <a:t>information article </a:t>
+            </a:r>
+            <a:r>
+              <a:rPr lang="en-US" sz="1200" dirty="0">
+                <a:solidFill>
+                  <a:sysClr val="windowText" lastClr="000000"/>
+                </a:solidFill>
+              </a:rPr>
+              <a:t>does not contains. </a:t>
+            </a:r>
+            <a:endParaRPr lang="en-US" sz="1200" dirty="0">
               <a:solidFill>
                 <a:sysClr val="windowText" lastClr="000000"/>
               </a:solidFill>
@@ -3812,7 +3833,7 @@
         </p:nvSpPr>
         <p:spPr>
           <a:xfrm>
-            <a:off x="1549408" y="1007134"/>
+            <a:off x="1549408" y="1057012"/>
             <a:ext cx="966900" cy="1307804"/>
           </a:xfrm>
           <a:prstGeom prst="roundRect">
@@ -3872,18 +3893,40 @@
           <a:p>
             <a:pPr algn="ctr"/>
             <a:r>
-              <a:rPr lang="en-US" dirty="0" smtClean="0">
+              <a:rPr lang="en-US" sz="1200" dirty="0">
                 <a:solidFill>
                   <a:sysClr val="windowText" lastClr="000000"/>
                 </a:solidFill>
               </a:rPr>
-              <a:t>Highlight</a:t>
-            </a:r>
-            <a:endParaRPr lang="en-US" dirty="0">
-              <a:solidFill>
-                <a:sysClr val="windowText" lastClr="000000"/>
-              </a:solidFill>
-            </a:endParaRPr>
+              <a:t>find information </a:t>
+            </a:r>
+            <a:r>
+              <a:rPr lang="en-US" sz="1200" dirty="0" smtClean="0">
+                <a:solidFill>
+                  <a:sysClr val="windowText" lastClr="000000"/>
+                </a:solidFill>
+              </a:rPr>
+              <a:t>article</a:t>
+            </a:r>
+          </a:p>
+          <a:p>
+            <a:pPr algn="ctr"/>
+            <a:r>
+              <a:rPr lang="en-US" sz="1200" dirty="0" smtClean="0">
+                <a:solidFill>
+                  <a:sysClr val="windowText" lastClr="000000"/>
+                </a:solidFill>
+              </a:rPr>
+              <a:t>contains</a:t>
+            </a:r>
+            <a:r>
+              <a:rPr lang="en-US" sz="1200" dirty="0">
+                <a:solidFill>
+                  <a:sysClr val="windowText" lastClr="000000"/>
+                </a:solidFill>
+              </a:rPr>
+              <a:t>. </a:t>
+            </a:r>
           </a:p>
         </p:txBody>
       </p:sp>
@@ -3937,172 +3980,6 @@
       </p:sp>
       <p:sp>
         <p:nvSpPr>
-          <p:cNvPr id="21" name="Rounded Rectangle 20"/>
-          <p:cNvSpPr/>
-          <p:nvPr/>
-        </p:nvSpPr>
-        <p:spPr>
-          <a:xfrm>
-            <a:off x="3293183" y="1007134"/>
-            <a:ext cx="948502" cy="1307804"/>
-          </a:xfrm>
-          <a:prstGeom prst="roundRect">
-            <a:avLst/>
-          </a:prstGeom>
-          <a:solidFill>
-            <a:schemeClr val="accent6">
-              <a:lumMod val="20000"/>
-              <a:lumOff val="80000"/>
-            </a:schemeClr>
-          </a:solidFill>
-          <a:ln>
-            <a:noFill/>
-          </a:ln>
-        </p:spPr>
-        <p:style>
-          <a:lnRef idx="2">
-            <a:schemeClr val="accent1">
-              <a:shade val="50000"/>
-            </a:schemeClr>
-          </a:lnRef>
-          <a:fillRef idx="1">
-            <a:schemeClr val="accent1"/>
-          </a:fillRef>
-          <a:effectRef idx="0">
-            <a:schemeClr val="accent1"/>
-          </a:effectRef>
-          <a:fontRef idx="minor">
-            <a:schemeClr val="lt1"/>
-          </a:fontRef>
-        </p:style>
-        <p:txBody>
-          <a:bodyPr lIns="0" rIns="0" rtlCol="0" anchor="ctr"/>
-          <a:lstStyle/>
-          <a:p>
-            <a:pPr algn="ctr"/>
-            <a:r>
-              <a:rPr lang="en-US" dirty="0" smtClean="0">
-                <a:solidFill>
-                  <a:sysClr val="windowText" lastClr="000000"/>
-                </a:solidFill>
-              </a:rPr>
-              <a:t>Read</a:t>
-            </a:r>
-          </a:p>
-          <a:p>
-            <a:pPr algn="ctr"/>
-            <a:r>
-              <a:rPr lang="en-US" dirty="0" smtClean="0">
-                <a:solidFill>
-                  <a:sysClr val="windowText" lastClr="000000"/>
-                </a:solidFill>
-              </a:rPr>
-              <a:t>+</a:t>
-            </a:r>
-          </a:p>
-          <a:p>
-            <a:pPr algn="ctr"/>
-            <a:r>
-              <a:rPr lang="en-US" dirty="0" smtClean="0">
-                <a:solidFill>
-                  <a:sysClr val="windowText" lastClr="000000"/>
-                </a:solidFill>
-              </a:rPr>
-              <a:t>Question</a:t>
-            </a:r>
-            <a:endParaRPr lang="en-US" dirty="0">
-              <a:solidFill>
-                <a:sysClr val="windowText" lastClr="000000"/>
-              </a:solidFill>
-            </a:endParaRPr>
-          </a:p>
-        </p:txBody>
-      </p:sp>
-      <p:sp>
-        <p:nvSpPr>
-          <p:cNvPr id="22" name="Rounded Rectangle 21"/>
-          <p:cNvSpPr/>
-          <p:nvPr/>
-        </p:nvSpPr>
-        <p:spPr>
-          <a:xfrm>
-            <a:off x="4471788" y="1007134"/>
-            <a:ext cx="966900" cy="1307804"/>
-          </a:xfrm>
-          <a:prstGeom prst="roundRect">
-            <a:avLst/>
-          </a:prstGeom>
-          <a:solidFill>
-            <a:schemeClr val="accent4">
-              <a:lumMod val="20000"/>
-              <a:lumOff val="80000"/>
-            </a:schemeClr>
-          </a:solidFill>
-          <a:ln>
-            <a:noFill/>
-          </a:ln>
-        </p:spPr>
-        <p:style>
-          <a:lnRef idx="2">
-            <a:schemeClr val="accent1">
-              <a:shade val="50000"/>
-            </a:schemeClr>
-          </a:lnRef>
-          <a:fillRef idx="1">
-            <a:schemeClr val="accent1"/>
-          </a:fillRef>
-          <a:effectRef idx="0">
-            <a:schemeClr val="accent1"/>
-          </a:effectRef>
-          <a:fontRef idx="minor">
-            <a:schemeClr val="lt1"/>
-          </a:fontRef>
-        </p:style>
-        <p:txBody>
-          <a:bodyPr lIns="0" rIns="0" rtlCol="0" anchor="ctr"/>
-          <a:lstStyle/>
-          <a:p>
-            <a:pPr algn="ctr"/>
-            <a:r>
-              <a:rPr lang="en-US" dirty="0" smtClean="0">
-                <a:solidFill>
-                  <a:sysClr val="windowText" lastClr="000000"/>
-                </a:solidFill>
-              </a:rPr>
-              <a:t>Review</a:t>
-            </a:r>
-          </a:p>
-          <a:p>
-            <a:pPr algn="ctr"/>
-            <a:r>
-              <a:rPr lang="en-US" dirty="0" smtClean="0">
-                <a:solidFill>
-                  <a:sysClr val="windowText" lastClr="000000"/>
-                </a:solidFill>
-              </a:rPr>
-              <a:t>+</a:t>
-            </a:r>
-          </a:p>
-          <a:p>
-            <a:pPr algn="ctr"/>
-            <a:r>
-              <a:rPr lang="en-US" dirty="0" smtClean="0">
-                <a:solidFill>
-                  <a:sysClr val="windowText" lastClr="000000"/>
-                </a:solidFill>
-              </a:rPr>
-              <a:t>Highlight</a:t>
-            </a:r>
-            <a:endParaRPr lang="en-US" dirty="0">
-              <a:solidFill>
-                <a:sysClr val="windowText" lastClr="000000"/>
-              </a:solidFill>
-            </a:endParaRPr>
-          </a:p>
-        </p:txBody>
-      </p:sp>
-      <p:sp>
-        <p:nvSpPr>
           <p:cNvPr id="23" name="Triangle 22"/>
           <p:cNvSpPr/>
           <p:nvPr/>
@@ -4146,172 +4023,6 @@
           <a:p>
             <a:pPr algn="ctr"/>
             <a:endParaRPr lang="en-US"/>
-          </a:p>
-        </p:txBody>
-      </p:sp>
-      <p:sp>
-        <p:nvSpPr>
-          <p:cNvPr id="24" name="Rounded Rectangle 23"/>
-          <p:cNvSpPr/>
-          <p:nvPr/>
-        </p:nvSpPr>
-        <p:spPr>
-          <a:xfrm>
-            <a:off x="6145144" y="1007134"/>
-            <a:ext cx="948502" cy="1307804"/>
-          </a:xfrm>
-          <a:prstGeom prst="roundRect">
-            <a:avLst/>
-          </a:prstGeom>
-          <a:solidFill>
-            <a:schemeClr val="accent6">
-              <a:lumMod val="20000"/>
-              <a:lumOff val="80000"/>
-            </a:schemeClr>
-          </a:solidFill>
-          <a:ln>
-            <a:noFill/>
-          </a:ln>
-        </p:spPr>
-        <p:style>
-          <a:lnRef idx="2">
-            <a:schemeClr val="accent1">
-              <a:shade val="50000"/>
-            </a:schemeClr>
-          </a:lnRef>
-          <a:fillRef idx="1">
-            <a:schemeClr val="accent1"/>
-          </a:fillRef>
-          <a:effectRef idx="0">
-            <a:schemeClr val="accent1"/>
-          </a:effectRef>
-          <a:fontRef idx="minor">
-            <a:schemeClr val="lt1"/>
-          </a:fontRef>
-        </p:style>
-        <p:txBody>
-          <a:bodyPr lIns="0" rIns="0" rtlCol="0" anchor="ctr"/>
-          <a:lstStyle/>
-          <a:p>
-            <a:pPr algn="ctr"/>
-            <a:r>
-              <a:rPr lang="en-US" dirty="0" smtClean="0">
-                <a:solidFill>
-                  <a:sysClr val="windowText" lastClr="000000"/>
-                </a:solidFill>
-              </a:rPr>
-              <a:t>Read</a:t>
-            </a:r>
-          </a:p>
-          <a:p>
-            <a:pPr algn="ctr"/>
-            <a:r>
-              <a:rPr lang="en-US" dirty="0" smtClean="0">
-                <a:solidFill>
-                  <a:sysClr val="windowText" lastClr="000000"/>
-                </a:solidFill>
-              </a:rPr>
-              <a:t>+</a:t>
-            </a:r>
-          </a:p>
-          <a:p>
-            <a:pPr algn="ctr"/>
-            <a:r>
-              <a:rPr lang="en-US" dirty="0" smtClean="0">
-                <a:solidFill>
-                  <a:sysClr val="windowText" lastClr="000000"/>
-                </a:solidFill>
-              </a:rPr>
-              <a:t>Question</a:t>
-            </a:r>
-            <a:endParaRPr lang="en-US" dirty="0">
-              <a:solidFill>
-                <a:sysClr val="windowText" lastClr="000000"/>
-              </a:solidFill>
-            </a:endParaRPr>
-          </a:p>
-        </p:txBody>
-      </p:sp>
-      <p:sp>
-        <p:nvSpPr>
-          <p:cNvPr id="25" name="Rounded Rectangle 24"/>
-          <p:cNvSpPr/>
-          <p:nvPr/>
-        </p:nvSpPr>
-        <p:spPr>
-          <a:xfrm>
-            <a:off x="7323749" y="1007134"/>
-            <a:ext cx="966900" cy="1307804"/>
-          </a:xfrm>
-          <a:prstGeom prst="roundRect">
-            <a:avLst/>
-          </a:prstGeom>
-          <a:solidFill>
-            <a:schemeClr val="accent4">
-              <a:lumMod val="20000"/>
-              <a:lumOff val="80000"/>
-            </a:schemeClr>
-          </a:solidFill>
-          <a:ln>
-            <a:noFill/>
-          </a:ln>
-        </p:spPr>
-        <p:style>
-          <a:lnRef idx="2">
-            <a:schemeClr val="accent1">
-              <a:shade val="50000"/>
-            </a:schemeClr>
-          </a:lnRef>
-          <a:fillRef idx="1">
-            <a:schemeClr val="accent1"/>
-          </a:fillRef>
-          <a:effectRef idx="0">
-            <a:schemeClr val="accent1"/>
-          </a:effectRef>
-          <a:fontRef idx="minor">
-            <a:schemeClr val="lt1"/>
-          </a:fontRef>
-        </p:style>
-        <p:txBody>
-          <a:bodyPr lIns="0" rIns="0" rtlCol="0" anchor="ctr"/>
-          <a:lstStyle/>
-          <a:p>
-            <a:pPr algn="ctr"/>
-            <a:r>
-              <a:rPr lang="en-US" dirty="0" smtClean="0">
-                <a:solidFill>
-                  <a:sysClr val="windowText" lastClr="000000"/>
-                </a:solidFill>
-              </a:rPr>
-              <a:t>Review</a:t>
-            </a:r>
-          </a:p>
-          <a:p>
-            <a:pPr algn="ctr"/>
-            <a:r>
-              <a:rPr lang="en-US" dirty="0" smtClean="0">
-                <a:solidFill>
-                  <a:sysClr val="windowText" lastClr="000000"/>
-                </a:solidFill>
-              </a:rPr>
-              <a:t>+</a:t>
-            </a:r>
-          </a:p>
-          <a:p>
-            <a:pPr algn="ctr"/>
-            <a:r>
-              <a:rPr lang="en-US" dirty="0" smtClean="0">
-                <a:solidFill>
-                  <a:sysClr val="windowText" lastClr="000000"/>
-                </a:solidFill>
-              </a:rPr>
-              <a:t>Highlight</a:t>
-            </a:r>
-            <a:endParaRPr lang="en-US" dirty="0">
-              <a:solidFill>
-                <a:sysClr val="windowText" lastClr="000000"/>
-              </a:solidFill>
-            </a:endParaRPr>
           </a:p>
         </p:txBody>
       </p:sp>
@@ -4576,6 +4287,414 @@
           </a:p>
         </p:txBody>
       </p:sp>
+      <p:sp>
+        <p:nvSpPr>
+          <p:cNvPr id="27" name="Rounded Rectangle 26"/>
+          <p:cNvSpPr/>
+          <p:nvPr/>
+        </p:nvSpPr>
+        <p:spPr>
+          <a:xfrm>
+            <a:off x="3301442" y="1057012"/>
+            <a:ext cx="948502" cy="1307804"/>
+          </a:xfrm>
+          <a:prstGeom prst="roundRect">
+            <a:avLst/>
+          </a:prstGeom>
+          <a:solidFill>
+            <a:schemeClr val="accent6">
+              <a:lumMod val="20000"/>
+              <a:lumOff val="80000"/>
+            </a:schemeClr>
+          </a:solidFill>
+          <a:ln>
+            <a:noFill/>
+          </a:ln>
+        </p:spPr>
+        <p:style>
+          <a:lnRef idx="2">
+            <a:schemeClr val="accent1">
+              <a:shade val="50000"/>
+            </a:schemeClr>
+          </a:lnRef>
+          <a:fillRef idx="1">
+            <a:schemeClr val="accent1"/>
+          </a:fillRef>
+          <a:effectRef idx="0">
+            <a:schemeClr val="accent1"/>
+          </a:effectRef>
+          <a:fontRef idx="minor">
+            <a:schemeClr val="lt1"/>
+          </a:fontRef>
+        </p:style>
+        <p:txBody>
+          <a:bodyPr lIns="0" rIns="0" rtlCol="0" anchor="ctr"/>
+          <a:lstStyle/>
+          <a:p>
+            <a:pPr algn="ctr"/>
+            <a:r>
+              <a:rPr lang="en-US" dirty="0" smtClean="0">
+                <a:solidFill>
+                  <a:sysClr val="windowText" lastClr="000000"/>
+                </a:solidFill>
+              </a:rPr>
+              <a:t>Read</a:t>
+            </a:r>
+          </a:p>
+          <a:p>
+            <a:pPr algn="ctr"/>
+            <a:r>
+              <a:rPr lang="en-US" dirty="0" smtClean="0">
+                <a:solidFill>
+                  <a:sysClr val="windowText" lastClr="000000"/>
+                </a:solidFill>
+              </a:rPr>
+              <a:t>+</a:t>
+            </a:r>
+          </a:p>
+          <a:p>
+            <a:pPr algn="ctr"/>
+            <a:r>
+              <a:rPr lang="en-US" sz="1200" dirty="0">
+                <a:solidFill>
+                  <a:sysClr val="windowText" lastClr="000000"/>
+                </a:solidFill>
+              </a:rPr>
+              <a:t>find </a:t>
+            </a:r>
+            <a:r>
+              <a:rPr lang="en-US" sz="1200" dirty="0" smtClean="0">
+                <a:solidFill>
+                  <a:sysClr val="windowText" lastClr="000000"/>
+                </a:solidFill>
+              </a:rPr>
+              <a:t>information article </a:t>
+            </a:r>
+            <a:r>
+              <a:rPr lang="en-US" sz="1200" dirty="0">
+                <a:solidFill>
+                  <a:sysClr val="windowText" lastClr="000000"/>
+                </a:solidFill>
+              </a:rPr>
+              <a:t>does not contains. </a:t>
+            </a:r>
+            <a:endParaRPr lang="en-US" sz="1200" dirty="0">
+              <a:solidFill>
+                <a:sysClr val="windowText" lastClr="000000"/>
+              </a:solidFill>
+            </a:endParaRPr>
+          </a:p>
+        </p:txBody>
+      </p:sp>
+      <p:sp>
+        <p:nvSpPr>
+          <p:cNvPr id="28" name="Rounded Rectangle 27"/>
+          <p:cNvSpPr/>
+          <p:nvPr/>
+        </p:nvSpPr>
+        <p:spPr>
+          <a:xfrm>
+            <a:off x="4480047" y="1057012"/>
+            <a:ext cx="966900" cy="1307804"/>
+          </a:xfrm>
+          <a:prstGeom prst="roundRect">
+            <a:avLst/>
+          </a:prstGeom>
+          <a:solidFill>
+            <a:schemeClr val="accent4">
+              <a:lumMod val="20000"/>
+              <a:lumOff val="80000"/>
+            </a:schemeClr>
+          </a:solidFill>
+          <a:ln>
+            <a:noFill/>
+          </a:ln>
+        </p:spPr>
+        <p:style>
+          <a:lnRef idx="2">
+            <a:schemeClr val="accent1">
+              <a:shade val="50000"/>
+            </a:schemeClr>
+          </a:lnRef>
+          <a:fillRef idx="1">
+            <a:schemeClr val="accent1"/>
+          </a:fillRef>
+          <a:effectRef idx="0">
+            <a:schemeClr val="accent1"/>
+          </a:effectRef>
+          <a:fontRef idx="minor">
+            <a:schemeClr val="lt1"/>
+          </a:fontRef>
+        </p:style>
+        <p:txBody>
+          <a:bodyPr lIns="0" rIns="0" rtlCol="0" anchor="ctr"/>
+          <a:lstStyle/>
+          <a:p>
+            <a:pPr algn="ctr"/>
+            <a:r>
+              <a:rPr lang="en-US" dirty="0" smtClean="0">
+                <a:solidFill>
+                  <a:sysClr val="windowText" lastClr="000000"/>
+                </a:solidFill>
+              </a:rPr>
+              <a:t>Review</a:t>
+            </a:r>
+          </a:p>
+          <a:p>
+            <a:pPr algn="ctr"/>
+            <a:r>
+              <a:rPr lang="en-US" dirty="0" smtClean="0">
+                <a:solidFill>
+                  <a:sysClr val="windowText" lastClr="000000"/>
+                </a:solidFill>
+              </a:rPr>
+              <a:t>+</a:t>
+            </a:r>
+          </a:p>
+          <a:p>
+            <a:pPr algn="ctr"/>
+            <a:r>
+              <a:rPr lang="en-US" sz="1200" dirty="0">
+                <a:solidFill>
+                  <a:sysClr val="windowText" lastClr="000000"/>
+                </a:solidFill>
+              </a:rPr>
+              <a:t>find information </a:t>
+            </a:r>
+            <a:r>
+              <a:rPr lang="en-US" sz="1200" dirty="0" smtClean="0">
+                <a:solidFill>
+                  <a:sysClr val="windowText" lastClr="000000"/>
+                </a:solidFill>
+              </a:rPr>
+              <a:t>article</a:t>
+            </a:r>
+          </a:p>
+          <a:p>
+            <a:pPr algn="ctr"/>
+            <a:r>
+              <a:rPr lang="en-US" sz="1200" dirty="0" smtClean="0">
+                <a:solidFill>
+                  <a:sysClr val="windowText" lastClr="000000"/>
+                </a:solidFill>
+              </a:rPr>
+              <a:t>contains</a:t>
+            </a:r>
+            <a:r>
+              <a:rPr lang="en-US" sz="1200" dirty="0">
+                <a:solidFill>
+                  <a:sysClr val="windowText" lastClr="000000"/>
+                </a:solidFill>
+              </a:rPr>
+              <a:t>. </a:t>
+            </a:r>
+          </a:p>
+        </p:txBody>
+      </p:sp>
+      <p:sp>
+        <p:nvSpPr>
+          <p:cNvPr id="30" name="Rounded Rectangle 29"/>
+          <p:cNvSpPr/>
+          <p:nvPr/>
+        </p:nvSpPr>
+        <p:spPr>
+          <a:xfrm>
+            <a:off x="6141253" y="1057012"/>
+            <a:ext cx="948502" cy="1307804"/>
+          </a:xfrm>
+          <a:prstGeom prst="roundRect">
+            <a:avLst/>
+          </a:prstGeom>
+          <a:solidFill>
+            <a:schemeClr val="accent6">
+              <a:lumMod val="20000"/>
+              <a:lumOff val="80000"/>
+            </a:schemeClr>
+          </a:solidFill>
+          <a:ln>
+            <a:noFill/>
+          </a:ln>
+        </p:spPr>
+        <p:style>
+          <a:lnRef idx="2">
+            <a:schemeClr val="accent1">
+              <a:shade val="50000"/>
+            </a:schemeClr>
+          </a:lnRef>
+          <a:fillRef idx="1">
+            <a:schemeClr val="accent1"/>
+          </a:fillRef>
+          <a:effectRef idx="0">
+            <a:schemeClr val="accent1"/>
+          </a:effectRef>
+          <a:fontRef idx="minor">
+            <a:schemeClr val="lt1"/>
+          </a:fontRef>
+        </p:style>
+        <p:txBody>
+          <a:bodyPr lIns="0" rIns="0" rtlCol="0" anchor="ctr"/>
+          <a:lstStyle/>
+          <a:p>
+            <a:pPr algn="ctr"/>
+            <a:r>
+              <a:rPr lang="en-US" dirty="0" smtClean="0">
+                <a:solidFill>
+                  <a:sysClr val="windowText" lastClr="000000"/>
+                </a:solidFill>
+              </a:rPr>
+              <a:t>Read</a:t>
+            </a:r>
+          </a:p>
+          <a:p>
+            <a:pPr algn="ctr"/>
+            <a:r>
+              <a:rPr lang="en-US" dirty="0" smtClean="0">
+                <a:solidFill>
+                  <a:sysClr val="windowText" lastClr="000000"/>
+                </a:solidFill>
+              </a:rPr>
+              <a:t>+</a:t>
+            </a:r>
+          </a:p>
+          <a:p>
+            <a:pPr algn="ctr"/>
+            <a:r>
+              <a:rPr lang="en-US" sz="1200" dirty="0">
+                <a:solidFill>
+                  <a:sysClr val="windowText" lastClr="000000"/>
+                </a:solidFill>
+              </a:rPr>
+              <a:t>find </a:t>
+            </a:r>
+            <a:r>
+              <a:rPr lang="en-US" sz="1200" dirty="0" smtClean="0">
+                <a:solidFill>
+                  <a:sysClr val="windowText" lastClr="000000"/>
+                </a:solidFill>
+              </a:rPr>
+              <a:t>information article </a:t>
+            </a:r>
+            <a:r>
+              <a:rPr lang="en-US" sz="1200" dirty="0">
+                <a:solidFill>
+                  <a:sysClr val="windowText" lastClr="000000"/>
+                </a:solidFill>
+              </a:rPr>
+              <a:t>does not contains. </a:t>
+            </a:r>
+            <a:endParaRPr lang="en-US" sz="1200" dirty="0">
+              <a:solidFill>
+                <a:sysClr val="windowText" lastClr="000000"/>
+              </a:solidFill>
+            </a:endParaRPr>
+          </a:p>
+        </p:txBody>
+      </p:sp>
+      <p:sp>
+        <p:nvSpPr>
+          <p:cNvPr id="32" name="Rounded Rectangle 31"/>
+          <p:cNvSpPr/>
+          <p:nvPr/>
+        </p:nvSpPr>
+        <p:spPr>
+          <a:xfrm>
+            <a:off x="7319858" y="1057012"/>
+            <a:ext cx="966900" cy="1307804"/>
+          </a:xfrm>
+          <a:prstGeom prst="roundRect">
+            <a:avLst/>
+          </a:prstGeom>
+          <a:solidFill>
+            <a:schemeClr val="accent4">
+              <a:lumMod val="20000"/>
+              <a:lumOff val="80000"/>
+            </a:schemeClr>
+          </a:solidFill>
+          <a:ln>
+            <a:noFill/>
+          </a:ln>
+        </p:spPr>
+        <p:style>
+          <a:lnRef idx="2">
+            <a:schemeClr val="accent1">
+              <a:shade val="50000"/>
+            </a:schemeClr>
+          </a:lnRef>
+          <a:fillRef idx="1">
+            <a:schemeClr val="accent1"/>
+          </a:fillRef>
+          <a:effectRef idx="0">
+            <a:schemeClr val="accent1"/>
+          </a:effectRef>
+          <a:fontRef idx="minor">
+            <a:schemeClr val="lt1"/>
+          </a:fontRef>
+        </p:style>
+        <p:txBody>
+          <a:bodyPr lIns="0" rIns="0" rtlCol="0" anchor="ctr"/>
+          <a:lstStyle/>
+          <a:p>
+            <a:pPr algn="ctr"/>
+            <a:r>
+              <a:rPr lang="en-US" dirty="0" smtClean="0">
+                <a:solidFill>
+                  <a:sysClr val="windowText" lastClr="000000"/>
+                </a:solidFill>
+              </a:rPr>
+              <a:t>Review</a:t>
+            </a:r>
+          </a:p>
+          <a:p>
+            <a:pPr algn="ctr"/>
+            <a:r>
+              <a:rPr lang="en-US" dirty="0" smtClean="0">
+                <a:solidFill>
+                  <a:sysClr val="windowText" lastClr="000000"/>
+                </a:solidFill>
+              </a:rPr>
+              <a:t>+</a:t>
+            </a:r>
+          </a:p>
+          <a:p>
+            <a:pPr algn="ctr"/>
+            <a:r>
+              <a:rPr lang="en-US" sz="1200" dirty="0">
+                <a:solidFill>
+                  <a:sysClr val="windowText" lastClr="000000"/>
+                </a:solidFill>
+              </a:rPr>
+              <a:t>find information </a:t>
+            </a:r>
+            <a:r>
+              <a:rPr lang="en-US" sz="1200" dirty="0" smtClean="0">
+                <a:solidFill>
+                  <a:sysClr val="windowText" lastClr="000000"/>
+                </a:solidFill>
+              </a:rPr>
+              <a:t>article</a:t>
+            </a:r>
+          </a:p>
+          <a:p>
+            <a:pPr algn="ctr"/>
+            <a:r>
+              <a:rPr lang="en-US" sz="1200" dirty="0" smtClean="0">
+                <a:solidFill>
+                  <a:sysClr val="windowText" lastClr="000000"/>
+                </a:solidFill>
+              </a:rPr>
+              <a:t>contains</a:t>
+            </a:r>
+            <a:r>
+              <a:rPr lang="en-US" sz="1200" dirty="0">
+                <a:solidFill>
+                  <a:sysClr val="windowText" lastClr="000000"/>
+                </a:solidFill>
+              </a:rPr>
+              <a:t>. </a:t>
+            </a:r>
+          </a:p>
+        </p:txBody>
+      </p:sp>
     </p:spTree>
     <p:extLst>
       <p:ext uri="{BB962C8B-B14F-4D97-AF65-F5344CB8AC3E}">
@@ -4698,7 +4817,7 @@
         <p:spPr>
           <a:xfrm>
             <a:off x="1585913" y="1057012"/>
-            <a:ext cx="7558087" cy="1323439"/>
+            <a:ext cx="7558087" cy="1569660"/>
           </a:xfrm>
           <a:prstGeom prst="rect">
             <a:avLst/>
@@ -4719,6 +4838,22 @@
               <a:rPr lang="en-US" sz="1600" dirty="0" smtClean="0"/>
               <a:t>Read an article carefully and generate some questions (5+) that cannot be answered by the article.  </a:t>
             </a:r>
+            <a:endParaRPr lang="en-US" sz="1600" dirty="0" smtClean="0"/>
+          </a:p>
+          <a:p>
+            <a:pPr marL="285750" indent="-285750">
+              <a:buFont typeface="Arial" charset="0"/>
+              <a:buChar char="•"/>
+            </a:pPr>
+            <a:r>
+              <a:rPr lang="en-US" sz="1600" dirty="0"/>
+              <a:t>Please try to generate question on ‘valuable’ information provided in each article</a:t>
+            </a:r>
+            <a:r>
+              <a:rPr lang="en-US" sz="1600" dirty="0" smtClean="0"/>
+              <a:t>.</a:t>
+            </a:r>
+            <a:endParaRPr lang="en-US" sz="1600" dirty="0" smtClean="0"/>
           </a:p>
           <a:p>
             <a:pPr marL="285750" indent="-285750">
@@ -4822,14 +4957,113 @@
       </p:sp>
       <p:sp>
         <p:nvSpPr>
-          <p:cNvPr id="10" name="Rounded Rectangle 9"/>
+          <p:cNvPr id="6" name="Rounded Rectangle 5"/>
           <p:cNvSpPr/>
           <p:nvPr/>
         </p:nvSpPr>
         <p:spPr>
           <a:xfrm>
-            <a:off x="370803" y="2718171"/>
-            <a:ext cx="966900" cy="1098917"/>
+            <a:off x="370803" y="1057012"/>
+            <a:ext cx="948502" cy="1307804"/>
+          </a:xfrm>
+          <a:prstGeom prst="roundRect">
+            <a:avLst/>
+          </a:prstGeom>
+          <a:solidFill>
+            <a:schemeClr val="accent6">
+              <a:lumMod val="20000"/>
+              <a:lumOff val="80000"/>
+            </a:schemeClr>
+          </a:solidFill>
+          <a:ln>
+            <a:noFill/>
+          </a:ln>
+        </p:spPr>
+        <p:style>
+          <a:lnRef idx="2">
+            <a:schemeClr val="accent1">
+              <a:shade val="50000"/>
+            </a:schemeClr>
+          </a:lnRef>
+          <a:fillRef idx="1">
+            <a:schemeClr val="accent1"/>
+          </a:fillRef>
+          <a:effectRef idx="0">
+            <a:schemeClr val="accent1"/>
+          </a:effectRef>
+          <a:fontRef idx="minor">
+            <a:schemeClr val="lt1"/>
+          </a:fontRef>
+        </p:style>
+        <p:txBody>
+          <a:bodyPr lIns="0" rIns="0" rtlCol="0" anchor="ctr"/>
+          <a:lstStyle/>
+          <a:p>
+            <a:pPr algn="ctr"/>
+            <a:r>
+              <a:rPr lang="en-US" dirty="0" smtClean="0">
+                <a:solidFill>
+                  <a:sysClr val="windowText" lastClr="000000"/>
+                </a:solidFill>
+              </a:rPr>
+              <a:t>Read</a:t>
+            </a:r>
+          </a:p>
+          <a:p>
+            <a:pPr algn="ctr"/>
+            <a:r>
+              <a:rPr lang="en-US" dirty="0" smtClean="0">
+                <a:solidFill>
+                  <a:sysClr val="windowText" lastClr="000000"/>
+                </a:solidFill>
+              </a:rPr>
+              <a:t>+</a:t>
+            </a:r>
+          </a:p>
+          <a:p>
+            <a:pPr algn="ctr"/>
+            <a:r>
+              <a:rPr lang="en-US" sz="1200" dirty="0">
+                <a:solidFill>
+                  <a:sysClr val="windowText" lastClr="000000"/>
+                </a:solidFill>
+              </a:rPr>
+              <a:t>find </a:t>
+            </a:r>
+            <a:r>
+              <a:rPr lang="en-US" sz="1200" dirty="0" smtClean="0">
+                <a:solidFill>
+                  <a:sysClr val="windowText" lastClr="000000"/>
+                </a:solidFill>
+              </a:rPr>
+              <a:t>information article </a:t>
+            </a:r>
+            <a:r>
+              <a:rPr lang="en-US" sz="1200" dirty="0">
+                <a:solidFill>
+                  <a:sysClr val="windowText" lastClr="000000"/>
+                </a:solidFill>
+              </a:rPr>
+              <a:t>does not contains. </a:t>
+            </a:r>
+            <a:endParaRPr lang="en-US" sz="1200" dirty="0">
+              <a:solidFill>
+                <a:sysClr val="windowText" lastClr="000000"/>
+              </a:solidFill>
+            </a:endParaRPr>
+          </a:p>
+        </p:txBody>
+      </p:sp>
+      <p:sp>
+        <p:nvSpPr>
+          <p:cNvPr id="8" name="Rounded Rectangle 7"/>
+          <p:cNvSpPr/>
+          <p:nvPr/>
+        </p:nvSpPr>
+        <p:spPr>
+          <a:xfrm>
+            <a:off x="370803" y="2710043"/>
+            <a:ext cx="966900" cy="1307804"/>
           </a:xfrm>
           <a:prstGeom prst="roundRect">
             <a:avLst/>
@@ -4888,18 +5122,40 @@
           <a:p>
             <a:pPr algn="ctr"/>
             <a:r>
-              <a:rPr lang="en-US" dirty="0" smtClean="0">
+              <a:rPr lang="en-US" sz="1200" dirty="0">
                 <a:solidFill>
                   <a:sysClr val="windowText" lastClr="000000"/>
                 </a:solidFill>
               </a:rPr>
-              <a:t>Highlight</a:t>
-            </a:r>
-            <a:endParaRPr lang="en-US" dirty="0">
-              <a:solidFill>
-                <a:sysClr val="windowText" lastClr="000000"/>
-              </a:solidFill>
-            </a:endParaRPr>
+              <a:t>find information </a:t>
+            </a:r>
+            <a:r>
+              <a:rPr lang="en-US" sz="1200" dirty="0" smtClean="0">
+                <a:solidFill>
+                  <a:sysClr val="windowText" lastClr="000000"/>
+                </a:solidFill>
+              </a:rPr>
+              <a:t>article</a:t>
+            </a:r>
+          </a:p>
+          <a:p>
+            <a:pPr algn="ctr"/>
+            <a:r>
+              <a:rPr lang="en-US" sz="1200" dirty="0" smtClean="0">
+                <a:solidFill>
+                  <a:sysClr val="windowText" lastClr="000000"/>
+                </a:solidFill>
+              </a:rPr>
+              <a:t>contains</a:t>
+            </a:r>
+            <a:r>
+              <a:rPr lang="en-US" sz="1200" dirty="0">
+                <a:solidFill>
+                  <a:sysClr val="windowText" lastClr="000000"/>
+                </a:solidFill>
+              </a:rPr>
+              <a:t>. </a:t>
+            </a:r>
           </a:p>
         </p:txBody>
       </p:sp>
@@ -4913,6 +5169,13 @@
   <p:clrMapOvr>
     <a:masterClrMapping/>
   </p:clrMapOvr>
+  <p:timing>
+    <p:tnLst>
+      <p:par>
+        <p:cTn id="1" dur="indefinite" restart="never" nodeType="tmRoot"/>
+      </p:par>
+    </p:tnLst>
+  </p:timing>
 </p:sld>
 </file>
 
